--- a/Documents/Sprint-1/MINF-Sprint-1.pptx
+++ b/Documents/Sprint-1/MINF-Sprint-1.pptx
@@ -345,7 +345,7 @@
           <a:p>
             <a:fld id="{2C884270-3021-4B74-9980-016765FF7749}" type="datetimeFigureOut">
               <a:rPr lang="en-US" smtClean="0"/>
-              <a:t>3/24/2018</a:t>
+              <a:t>3/29/2018</a:t>
             </a:fld>
             <a:endParaRPr lang="en-US"/>
           </a:p>
@@ -553,7 +553,7 @@
           <a:p>
             <a:fld id="{2C884270-3021-4B74-9980-016765FF7749}" type="datetimeFigureOut">
               <a:rPr lang="en-US" smtClean="0"/>
-              <a:t>3/24/2018</a:t>
+              <a:t>3/29/2018</a:t>
             </a:fld>
             <a:endParaRPr lang="en-US"/>
           </a:p>
@@ -809,7 +809,7 @@
           <a:p>
             <a:fld id="{2C884270-3021-4B74-9980-016765FF7749}" type="datetimeFigureOut">
               <a:rPr lang="en-US" smtClean="0"/>
-              <a:t>3/24/2018</a:t>
+              <a:t>3/29/2018</a:t>
             </a:fld>
             <a:endParaRPr lang="en-US"/>
           </a:p>
@@ -983,7 +983,7 @@
           <a:p>
             <a:fld id="{2C884270-3021-4B74-9980-016765FF7749}" type="datetimeFigureOut">
               <a:rPr lang="en-US" smtClean="0"/>
-              <a:t>3/24/2018</a:t>
+              <a:t>3/29/2018</a:t>
             </a:fld>
             <a:endParaRPr lang="en-US"/>
           </a:p>
@@ -1326,7 +1326,7 @@
           <a:p>
             <a:fld id="{2C884270-3021-4B74-9980-016765FF7749}" type="datetimeFigureOut">
               <a:rPr lang="en-US" smtClean="0"/>
-              <a:t>3/24/2018</a:t>
+              <a:t>3/29/2018</a:t>
             </a:fld>
             <a:endParaRPr lang="en-US"/>
           </a:p>
@@ -1601,7 +1601,7 @@
           <a:p>
             <a:fld id="{2C884270-3021-4B74-9980-016765FF7749}" type="datetimeFigureOut">
               <a:rPr lang="en-US" smtClean="0"/>
-              <a:t>3/24/2018</a:t>
+              <a:t>3/29/2018</a:t>
             </a:fld>
             <a:endParaRPr lang="en-US"/>
           </a:p>
@@ -1980,7 +1980,7 @@
           <a:p>
             <a:fld id="{2C884270-3021-4B74-9980-016765FF7749}" type="datetimeFigureOut">
               <a:rPr lang="en-US" smtClean="0"/>
-              <a:t>3/24/2018</a:t>
+              <a:t>3/29/2018</a:t>
             </a:fld>
             <a:endParaRPr lang="en-US"/>
           </a:p>
@@ -2098,7 +2098,7 @@
           <a:p>
             <a:fld id="{2C884270-3021-4B74-9980-016765FF7749}" type="datetimeFigureOut">
               <a:rPr lang="en-US" smtClean="0"/>
-              <a:t>3/24/2018</a:t>
+              <a:t>3/29/2018</a:t>
             </a:fld>
             <a:endParaRPr lang="en-US"/>
           </a:p>
@@ -2269,7 +2269,7 @@
           <a:p>
             <a:fld id="{2C884270-3021-4B74-9980-016765FF7749}" type="datetimeFigureOut">
               <a:rPr lang="en-US" smtClean="0"/>
-              <a:t>3/24/2018</a:t>
+              <a:t>3/29/2018</a:t>
             </a:fld>
             <a:endParaRPr lang="en-US"/>
           </a:p>
@@ -2623,7 +2623,7 @@
           <a:p>
             <a:fld id="{2C884270-3021-4B74-9980-016765FF7749}" type="datetimeFigureOut">
               <a:rPr lang="en-US" smtClean="0"/>
-              <a:t>3/24/2018</a:t>
+              <a:t>3/29/2018</a:t>
             </a:fld>
             <a:endParaRPr lang="en-US"/>
           </a:p>
@@ -3005,7 +3005,7 @@
           <a:p>
             <a:fld id="{2C884270-3021-4B74-9980-016765FF7749}" type="datetimeFigureOut">
               <a:rPr lang="en-US" smtClean="0"/>
-              <a:t>3/24/2018</a:t>
+              <a:t>3/29/2018</a:t>
             </a:fld>
             <a:endParaRPr lang="en-US"/>
           </a:p>
@@ -3292,7 +3292,7 @@
           <a:p>
             <a:fld id="{2C884270-3021-4B74-9980-016765FF7749}" type="datetimeFigureOut">
               <a:rPr lang="en-US" smtClean="0"/>
-              <a:t>3/24/2018</a:t>
+              <a:t>3/29/2018</a:t>
             </a:fld>
             <a:endParaRPr lang="en-US"/>
           </a:p>
@@ -3821,7 +3821,7 @@
           <p:cNvPr id="2" name="Title 1">
             <a:extLst>
               <a:ext uri="{FF2B5EF4-FFF2-40B4-BE49-F238E27FC236}">
-                <a16:creationId xmlns="" xmlns:a16="http://schemas.microsoft.com/office/drawing/2014/main" id="{BCFF2298-DD12-4069-9880-269D996ADAB7}"/>
+                <a16:creationId xmlns:a16="http://schemas.microsoft.com/office/drawing/2014/main" xmlns="" id="{BCFF2298-DD12-4069-9880-269D996ADAB7}"/>
               </a:ext>
             </a:extLst>
           </p:cNvPr>
@@ -3849,7 +3849,7 @@
           <p:cNvPr id="3" name="Subtitle 2">
             <a:extLst>
               <a:ext uri="{FF2B5EF4-FFF2-40B4-BE49-F238E27FC236}">
-                <a16:creationId xmlns="" xmlns:a16="http://schemas.microsoft.com/office/drawing/2014/main" id="{B76F6B80-1A68-48C6-8F38-F13A72AFB358}"/>
+                <a16:creationId xmlns:a16="http://schemas.microsoft.com/office/drawing/2014/main" xmlns="" id="{B76F6B80-1A68-48C6-8F38-F13A72AFB358}"/>
               </a:ext>
             </a:extLst>
           </p:cNvPr>
@@ -3926,7 +3926,7 @@
           <p:cNvPr id="2" name="Title 1">
             <a:extLst>
               <a:ext uri="{FF2B5EF4-FFF2-40B4-BE49-F238E27FC236}">
-                <a16:creationId xmlns="" xmlns:a16="http://schemas.microsoft.com/office/drawing/2014/main" id="{4EFBAFAA-F656-4A86-83F6-D61317FA563B}"/>
+                <a16:creationId xmlns:a16="http://schemas.microsoft.com/office/drawing/2014/main" xmlns="" id="{4EFBAFAA-F656-4A86-83F6-D61317FA563B}"/>
               </a:ext>
             </a:extLst>
           </p:cNvPr>
@@ -3956,7 +3956,7 @@
           <p:cNvPr id="3" name="Content Placeholder 2">
             <a:extLst>
               <a:ext uri="{FF2B5EF4-FFF2-40B4-BE49-F238E27FC236}">
-                <a16:creationId xmlns="" xmlns:a16="http://schemas.microsoft.com/office/drawing/2014/main" id="{275A9FA1-A441-47C0-97C8-24BDAB607E53}"/>
+                <a16:creationId xmlns:a16="http://schemas.microsoft.com/office/drawing/2014/main" xmlns="" id="{275A9FA1-A441-47C0-97C8-24BDAB607E53}"/>
               </a:ext>
             </a:extLst>
           </p:cNvPr>
@@ -4081,7 +4081,7 @@
           <p:cNvPr id="4" name="Content Placeholder 2">
             <a:extLst>
               <a:ext uri="{FF2B5EF4-FFF2-40B4-BE49-F238E27FC236}">
-                <a16:creationId xmlns="" xmlns:a16="http://schemas.microsoft.com/office/drawing/2014/main" id="{8B75658C-38F4-48B3-A6A8-19EDF89E7A3B}"/>
+                <a16:creationId xmlns:a16="http://schemas.microsoft.com/office/drawing/2014/main" xmlns="" id="{8B75658C-38F4-48B3-A6A8-19EDF89E7A3B}"/>
               </a:ext>
             </a:extLst>
           </p:cNvPr>
@@ -4497,7 +4497,7 @@
           <p:cNvPr id="2" name="Title 1">
             <a:extLst>
               <a:ext uri="{FF2B5EF4-FFF2-40B4-BE49-F238E27FC236}">
-                <a16:creationId xmlns="" xmlns:a16="http://schemas.microsoft.com/office/drawing/2014/main" id="{4EFBAFAA-F656-4A86-83F6-D61317FA563B}"/>
+                <a16:creationId xmlns:a16="http://schemas.microsoft.com/office/drawing/2014/main" xmlns="" id="{4EFBAFAA-F656-4A86-83F6-D61317FA563B}"/>
               </a:ext>
             </a:extLst>
           </p:cNvPr>
@@ -4527,7 +4527,7 @@
           <p:cNvPr id="3" name="Content Placeholder 2">
             <a:extLst>
               <a:ext uri="{FF2B5EF4-FFF2-40B4-BE49-F238E27FC236}">
-                <a16:creationId xmlns="" xmlns:a16="http://schemas.microsoft.com/office/drawing/2014/main" id="{275A9FA1-A441-47C0-97C8-24BDAB607E53}"/>
+                <a16:creationId xmlns:a16="http://schemas.microsoft.com/office/drawing/2014/main" xmlns="" id="{275A9FA1-A441-47C0-97C8-24BDAB607E53}"/>
               </a:ext>
             </a:extLst>
           </p:cNvPr>
@@ -4644,8 +4644,23 @@
             </a:pPr>
             <a:r>
               <a:rPr lang="en-US" dirty="0"/>
-              <a:t>Library tab</a:t>
-            </a:r>
+              <a:t>Library </a:t>
+            </a:r>
+            <a:r>
+              <a:rPr lang="en-US" dirty="0" smtClean="0"/>
+              <a:t>tab</a:t>
+            </a:r>
+          </a:p>
+          <a:p>
+            <a:pPr lvl="1">
+              <a:buFont typeface="Wingdings" panose="05000000000000000000" pitchFamily="2" charset="2"/>
+              <a:buChar char="ü"/>
+            </a:pPr>
+            <a:r>
+              <a:rPr lang="en-US" dirty="0" smtClean="0"/>
+              <a:t>Already partner</a:t>
+            </a:r>
+            <a:endParaRPr lang="en-US" dirty="0"/>
           </a:p>
         </p:txBody>
       </p:sp>
@@ -4654,7 +4669,7 @@
           <p:cNvPr id="4" name="Content Placeholder 2">
             <a:extLst>
               <a:ext uri="{FF2B5EF4-FFF2-40B4-BE49-F238E27FC236}">
-                <a16:creationId xmlns="" xmlns:a16="http://schemas.microsoft.com/office/drawing/2014/main" id="{8B75658C-38F4-48B3-A6A8-19EDF89E7A3B}"/>
+                <a16:creationId xmlns:a16="http://schemas.microsoft.com/office/drawing/2014/main" xmlns="" id="{8B75658C-38F4-48B3-A6A8-19EDF89E7A3B}"/>
               </a:ext>
             </a:extLst>
           </p:cNvPr>
@@ -5063,7 +5078,7 @@
           <p:cNvPr id="2" name="Title 1">
             <a:extLst>
               <a:ext uri="{FF2B5EF4-FFF2-40B4-BE49-F238E27FC236}">
-                <a16:creationId xmlns="" xmlns:a16="http://schemas.microsoft.com/office/drawing/2014/main" id="{4EFBAFAA-F656-4A86-83F6-D61317FA563B}"/>
+                <a16:creationId xmlns:a16="http://schemas.microsoft.com/office/drawing/2014/main" xmlns="" id="{4EFBAFAA-F656-4A86-83F6-D61317FA563B}"/>
               </a:ext>
             </a:extLst>
           </p:cNvPr>
@@ -5093,7 +5108,7 @@
           <p:cNvPr id="3" name="Content Placeholder 2">
             <a:extLst>
               <a:ext uri="{FF2B5EF4-FFF2-40B4-BE49-F238E27FC236}">
-                <a16:creationId xmlns="" xmlns:a16="http://schemas.microsoft.com/office/drawing/2014/main" id="{275A9FA1-A441-47C0-97C8-24BDAB607E53}"/>
+                <a16:creationId xmlns:a16="http://schemas.microsoft.com/office/drawing/2014/main" xmlns="" id="{275A9FA1-A441-47C0-97C8-24BDAB607E53}"/>
               </a:ext>
             </a:extLst>
           </p:cNvPr>
@@ -5212,7 +5227,7 @@
           <p:cNvPr id="4" name="Content Placeholder 2">
             <a:extLst>
               <a:ext uri="{FF2B5EF4-FFF2-40B4-BE49-F238E27FC236}">
-                <a16:creationId xmlns="" xmlns:a16="http://schemas.microsoft.com/office/drawing/2014/main" id="{8B75658C-38F4-48B3-A6A8-19EDF89E7A3B}"/>
+                <a16:creationId xmlns:a16="http://schemas.microsoft.com/office/drawing/2014/main" xmlns="" id="{8B75658C-38F4-48B3-A6A8-19EDF89E7A3B}"/>
               </a:ext>
             </a:extLst>
           </p:cNvPr>
@@ -5621,7 +5636,7 @@
           <p:cNvPr id="2" name="Title 1">
             <a:extLst>
               <a:ext uri="{FF2B5EF4-FFF2-40B4-BE49-F238E27FC236}">
-                <a16:creationId xmlns="" xmlns:a16="http://schemas.microsoft.com/office/drawing/2014/main" id="{4EFBAFAA-F656-4A86-83F6-D61317FA563B}"/>
+                <a16:creationId xmlns:a16="http://schemas.microsoft.com/office/drawing/2014/main" xmlns="" id="{4EFBAFAA-F656-4A86-83F6-D61317FA563B}"/>
               </a:ext>
             </a:extLst>
           </p:cNvPr>
@@ -5651,7 +5666,7 @@
           <p:cNvPr id="3" name="Content Placeholder 2">
             <a:extLst>
               <a:ext uri="{FF2B5EF4-FFF2-40B4-BE49-F238E27FC236}">
-                <a16:creationId xmlns="" xmlns:a16="http://schemas.microsoft.com/office/drawing/2014/main" id="{275A9FA1-A441-47C0-97C8-24BDAB607E53}"/>
+                <a16:creationId xmlns:a16="http://schemas.microsoft.com/office/drawing/2014/main" xmlns="" id="{275A9FA1-A441-47C0-97C8-24BDAB607E53}"/>
               </a:ext>
             </a:extLst>
           </p:cNvPr>
@@ -5748,7 +5763,7 @@
           <p:cNvPr id="4" name="Content Placeholder 2">
             <a:extLst>
               <a:ext uri="{FF2B5EF4-FFF2-40B4-BE49-F238E27FC236}">
-                <a16:creationId xmlns="" xmlns:a16="http://schemas.microsoft.com/office/drawing/2014/main" id="{8B75658C-38F4-48B3-A6A8-19EDF89E7A3B}"/>
+                <a16:creationId xmlns:a16="http://schemas.microsoft.com/office/drawing/2014/main" xmlns="" id="{8B75658C-38F4-48B3-A6A8-19EDF89E7A3B}"/>
               </a:ext>
             </a:extLst>
           </p:cNvPr>
@@ -6157,7 +6172,7 @@
           <p:cNvPr id="2" name="Title 1">
             <a:extLst>
               <a:ext uri="{FF2B5EF4-FFF2-40B4-BE49-F238E27FC236}">
-                <a16:creationId xmlns="" xmlns:a16="http://schemas.microsoft.com/office/drawing/2014/main" id="{6673DA5F-8315-444D-982A-21E2D8B2B8C6}"/>
+                <a16:creationId xmlns:a16="http://schemas.microsoft.com/office/drawing/2014/main" xmlns="" id="{6673DA5F-8315-444D-982A-21E2D8B2B8C6}"/>
               </a:ext>
             </a:extLst>
           </p:cNvPr>
@@ -6185,7 +6200,7 @@
           <p:cNvPr id="3" name="Content Placeholder 2">
             <a:extLst>
               <a:ext uri="{FF2B5EF4-FFF2-40B4-BE49-F238E27FC236}">
-                <a16:creationId xmlns="" xmlns:a16="http://schemas.microsoft.com/office/drawing/2014/main" id="{7692BDAF-A707-4578-B6ED-958AA51F7637}"/>
+                <a16:creationId xmlns:a16="http://schemas.microsoft.com/office/drawing/2014/main" xmlns="" id="{7692BDAF-A707-4578-B6ED-958AA51F7637}"/>
               </a:ext>
             </a:extLst>
           </p:cNvPr>
@@ -6324,7 +6339,7 @@
           <p:cNvPr id="2" name="Title 1">
             <a:extLst>
               <a:ext uri="{FF2B5EF4-FFF2-40B4-BE49-F238E27FC236}">
-                <a16:creationId xmlns="" xmlns:a16="http://schemas.microsoft.com/office/drawing/2014/main" id="{6FA5E2C8-A869-4BEE-AB3A-A53FABFC206C}"/>
+                <a16:creationId xmlns:a16="http://schemas.microsoft.com/office/drawing/2014/main" xmlns="" id="{6FA5E2C8-A869-4BEE-AB3A-A53FABFC206C}"/>
               </a:ext>
             </a:extLst>
           </p:cNvPr>
@@ -6352,7 +6367,7 @@
           <p:cNvPr id="3" name="Content Placeholder 2">
             <a:extLst>
               <a:ext uri="{FF2B5EF4-FFF2-40B4-BE49-F238E27FC236}">
-                <a16:creationId xmlns="" xmlns:a16="http://schemas.microsoft.com/office/drawing/2014/main" id="{04C827C6-C91E-4F99-9A1C-3D7477826615}"/>
+                <a16:creationId xmlns:a16="http://schemas.microsoft.com/office/drawing/2014/main" xmlns="" id="{04C827C6-C91E-4F99-9A1C-3D7477826615}"/>
               </a:ext>
             </a:extLst>
           </p:cNvPr>
@@ -6414,7 +6429,7 @@
           <p:cNvPr id="2" name="Title 1">
             <a:extLst>
               <a:ext uri="{FF2B5EF4-FFF2-40B4-BE49-F238E27FC236}">
-                <a16:creationId xmlns="" xmlns:a16="http://schemas.microsoft.com/office/drawing/2014/main" id="{56B50E36-9971-4C55-B088-5F289358CCF9}"/>
+                <a16:creationId xmlns:a16="http://schemas.microsoft.com/office/drawing/2014/main" xmlns="" id="{56B50E36-9971-4C55-B088-5F289358CCF9}"/>
               </a:ext>
             </a:extLst>
           </p:cNvPr>
@@ -6442,7 +6457,7 @@
           <p:cNvPr id="3" name="Content Placeholder 2">
             <a:extLst>
               <a:ext uri="{FF2B5EF4-FFF2-40B4-BE49-F238E27FC236}">
-                <a16:creationId xmlns="" xmlns:a16="http://schemas.microsoft.com/office/drawing/2014/main" id="{5240C52A-B80D-4204-92CA-73D8B1990910}"/>
+                <a16:creationId xmlns:a16="http://schemas.microsoft.com/office/drawing/2014/main" xmlns="" id="{5240C52A-B80D-4204-92CA-73D8B1990910}"/>
               </a:ext>
             </a:extLst>
           </p:cNvPr>
@@ -6533,7 +6548,7 @@
           <p:cNvPr id="6" name="Object 5">
             <a:extLst>
               <a:ext uri="{FF2B5EF4-FFF2-40B4-BE49-F238E27FC236}">
-                <a16:creationId xmlns="" xmlns:a16="http://schemas.microsoft.com/office/drawing/2014/main" id="{B29D4D1C-9DB6-4199-85D4-F21D530DA08B}"/>
+                <a16:creationId xmlns:a16="http://schemas.microsoft.com/office/drawing/2014/main" xmlns="" id="{B29D4D1C-9DB6-4199-85D4-F21D530DA08B}"/>
               </a:ext>
             </a:extLst>
           </p:cNvPr>
@@ -6556,7 +6571,7 @@
           <a:graphicData uri="http://schemas.openxmlformats.org/presentationml/2006/ole">
             <mc:AlternateContent xmlns:mc="http://schemas.openxmlformats.org/markup-compatibility/2006">
               <mc:Choice xmlns:v="urn:schemas-microsoft-com:vml" Requires="v">
-                <p:oleObj spid="_x0000_s1048" name="Worksheet" r:id="rId3" imgW="9153457" imgH="1343025" progId="Excel.Sheet.12">
+                <p:oleObj spid="_x0000_s1049" name="Worksheet" r:id="rId3" imgW="9153457" imgH="1343025" progId="Excel.Sheet.12">
                   <p:embed/>
                 </p:oleObj>
               </mc:Choice>
@@ -6633,7 +6648,7 @@
           <p:cNvPr id="2" name="Title 1">
             <a:extLst>
               <a:ext uri="{FF2B5EF4-FFF2-40B4-BE49-F238E27FC236}">
-                <a16:creationId xmlns="" xmlns:a16="http://schemas.microsoft.com/office/drawing/2014/main" id="{4EFBAFAA-F656-4A86-83F6-D61317FA563B}"/>
+                <a16:creationId xmlns:a16="http://schemas.microsoft.com/office/drawing/2014/main" xmlns="" id="{4EFBAFAA-F656-4A86-83F6-D61317FA563B}"/>
               </a:ext>
             </a:extLst>
           </p:cNvPr>
@@ -6661,7 +6676,7 @@
           <p:cNvPr id="3" name="Content Placeholder 2">
             <a:extLst>
               <a:ext uri="{FF2B5EF4-FFF2-40B4-BE49-F238E27FC236}">
-                <a16:creationId xmlns="" xmlns:a16="http://schemas.microsoft.com/office/drawing/2014/main" id="{275A9FA1-A441-47C0-97C8-24BDAB607E53}"/>
+                <a16:creationId xmlns:a16="http://schemas.microsoft.com/office/drawing/2014/main" xmlns="" id="{275A9FA1-A441-47C0-97C8-24BDAB607E53}"/>
               </a:ext>
             </a:extLst>
           </p:cNvPr>
@@ -6783,7 +6798,7 @@
           <p:cNvPr id="2" name="Title 1">
             <a:extLst>
               <a:ext uri="{FF2B5EF4-FFF2-40B4-BE49-F238E27FC236}">
-                <a16:creationId xmlns="" xmlns:a16="http://schemas.microsoft.com/office/drawing/2014/main" id="{4EFBAFAA-F656-4A86-83F6-D61317FA563B}"/>
+                <a16:creationId xmlns:a16="http://schemas.microsoft.com/office/drawing/2014/main" xmlns="" id="{4EFBAFAA-F656-4A86-83F6-D61317FA563B}"/>
               </a:ext>
             </a:extLst>
           </p:cNvPr>
@@ -6836,7 +6851,7 @@
           <p:cNvPr id="4" name="Picture 3">
             <a:extLst>
               <a:ext uri="{FF2B5EF4-FFF2-40B4-BE49-F238E27FC236}">
-                <a16:creationId xmlns="" xmlns:a16="http://schemas.microsoft.com/office/drawing/2014/main" id="{6074E070-CB19-4BF5-A690-20666B18D1E6}"/>
+                <a16:creationId xmlns:a16="http://schemas.microsoft.com/office/drawing/2014/main" xmlns="" id="{6074E070-CB19-4BF5-A690-20666B18D1E6}"/>
               </a:ext>
             </a:extLst>
           </p:cNvPr>
@@ -6872,7 +6887,7 @@
           <p:cNvPr id="5" name="Espace réservé du contenu 2">
             <a:extLst>
               <a:ext uri="{FF2B5EF4-FFF2-40B4-BE49-F238E27FC236}">
-                <a16:creationId xmlns="" xmlns:a16="http://schemas.microsoft.com/office/drawing/2014/main" id="{F4930291-C855-43B4-AB61-46E8BA92CA07}"/>
+                <a16:creationId xmlns:a16="http://schemas.microsoft.com/office/drawing/2014/main" xmlns="" id="{F4930291-C855-43B4-AB61-46E8BA92CA07}"/>
               </a:ext>
             </a:extLst>
           </p:cNvPr>
@@ -6954,7 +6969,7 @@
           <p:cNvPr id="6" name="Espace réservé du contenu 2">
             <a:extLst>
               <a:ext uri="{FF2B5EF4-FFF2-40B4-BE49-F238E27FC236}">
-                <a16:creationId xmlns="" xmlns:a16="http://schemas.microsoft.com/office/drawing/2014/main" id="{F9A78953-A7EA-4362-86AB-43F299A4C57B}"/>
+                <a16:creationId xmlns:a16="http://schemas.microsoft.com/office/drawing/2014/main" xmlns="" id="{F9A78953-A7EA-4362-86AB-43F299A4C57B}"/>
               </a:ext>
             </a:extLst>
           </p:cNvPr>
@@ -7023,7 +7038,7 @@
           <p:cNvPr id="7" name="Espace réservé du contenu 2">
             <a:extLst>
               <a:ext uri="{FF2B5EF4-FFF2-40B4-BE49-F238E27FC236}">
-                <a16:creationId xmlns="" xmlns:a16="http://schemas.microsoft.com/office/drawing/2014/main" id="{86D2B881-465F-4736-9CC4-549DE615D100}"/>
+                <a16:creationId xmlns:a16="http://schemas.microsoft.com/office/drawing/2014/main" xmlns="" id="{86D2B881-465F-4736-9CC4-549DE615D100}"/>
               </a:ext>
             </a:extLst>
           </p:cNvPr>
@@ -7107,7 +7122,7 @@
           <p:cNvPr id="8" name="Espace réservé du contenu 2">
             <a:extLst>
               <a:ext uri="{FF2B5EF4-FFF2-40B4-BE49-F238E27FC236}">
-                <a16:creationId xmlns="" xmlns:a16="http://schemas.microsoft.com/office/drawing/2014/main" id="{B0F06480-150F-4D87-95A0-140BD35C9683}"/>
+                <a16:creationId xmlns:a16="http://schemas.microsoft.com/office/drawing/2014/main" xmlns="" id="{B0F06480-150F-4D87-95A0-140BD35C9683}"/>
               </a:ext>
             </a:extLst>
           </p:cNvPr>
@@ -7213,7 +7228,7 @@
           <p:cNvPr id="2" name="Title 1">
             <a:extLst>
               <a:ext uri="{FF2B5EF4-FFF2-40B4-BE49-F238E27FC236}">
-                <a16:creationId xmlns="" xmlns:a16="http://schemas.microsoft.com/office/drawing/2014/main" id="{4EFBAFAA-F656-4A86-83F6-D61317FA563B}"/>
+                <a16:creationId xmlns:a16="http://schemas.microsoft.com/office/drawing/2014/main" xmlns="" id="{4EFBAFAA-F656-4A86-83F6-D61317FA563B}"/>
               </a:ext>
             </a:extLst>
           </p:cNvPr>
@@ -7243,7 +7258,7 @@
           <p:cNvPr id="3" name="Content Placeholder 2">
             <a:extLst>
               <a:ext uri="{FF2B5EF4-FFF2-40B4-BE49-F238E27FC236}">
-                <a16:creationId xmlns="" xmlns:a16="http://schemas.microsoft.com/office/drawing/2014/main" id="{275A9FA1-A441-47C0-97C8-24BDAB607E53}"/>
+                <a16:creationId xmlns:a16="http://schemas.microsoft.com/office/drawing/2014/main" xmlns="" id="{275A9FA1-A441-47C0-97C8-24BDAB607E53}"/>
               </a:ext>
             </a:extLst>
           </p:cNvPr>
@@ -7358,7 +7373,7 @@
           <p:cNvPr id="4" name="Content Placeholder 2">
             <a:extLst>
               <a:ext uri="{FF2B5EF4-FFF2-40B4-BE49-F238E27FC236}">
-                <a16:creationId xmlns="" xmlns:a16="http://schemas.microsoft.com/office/drawing/2014/main" id="{8B75658C-38F4-48B3-A6A8-19EDF89E7A3B}"/>
+                <a16:creationId xmlns:a16="http://schemas.microsoft.com/office/drawing/2014/main" xmlns="" id="{8B75658C-38F4-48B3-A6A8-19EDF89E7A3B}"/>
               </a:ext>
             </a:extLst>
           </p:cNvPr>
@@ -7766,7 +7781,7 @@
           <p:cNvPr id="2" name="Title 1">
             <a:extLst>
               <a:ext uri="{FF2B5EF4-FFF2-40B4-BE49-F238E27FC236}">
-                <a16:creationId xmlns="" xmlns:a16="http://schemas.microsoft.com/office/drawing/2014/main" id="{4EFBAFAA-F656-4A86-83F6-D61317FA563B}"/>
+                <a16:creationId xmlns:a16="http://schemas.microsoft.com/office/drawing/2014/main" xmlns="" id="{4EFBAFAA-F656-4A86-83F6-D61317FA563B}"/>
               </a:ext>
             </a:extLst>
           </p:cNvPr>
@@ -7796,7 +7811,7 @@
           <p:cNvPr id="3" name="Content Placeholder 2">
             <a:extLst>
               <a:ext uri="{FF2B5EF4-FFF2-40B4-BE49-F238E27FC236}">
-                <a16:creationId xmlns="" xmlns:a16="http://schemas.microsoft.com/office/drawing/2014/main" id="{275A9FA1-A441-47C0-97C8-24BDAB607E53}"/>
+                <a16:creationId xmlns:a16="http://schemas.microsoft.com/office/drawing/2014/main" xmlns="" id="{275A9FA1-A441-47C0-97C8-24BDAB607E53}"/>
               </a:ext>
             </a:extLst>
           </p:cNvPr>
@@ -7925,8 +7940,19 @@
             </a:pPr>
             <a:r>
               <a:rPr lang="en-US" dirty="0"/>
-              <a:t>Website: access to website</a:t>
-            </a:r>
+              <a:t>Website: access to </a:t>
+            </a:r>
+            <a:r>
+              <a:rPr lang="en-US" dirty="0" smtClean="0"/>
+              <a:t>website</a:t>
+            </a:r>
+          </a:p>
+          <a:p>
+            <a:r>
+              <a:rPr lang="en-US" dirty="0" smtClean="0"/>
+              <a:t>For sign-in menu, keeping only 2 functions References and Log Out</a:t>
+            </a:r>
+            <a:endParaRPr lang="en-US" dirty="0"/>
           </a:p>
           <a:p>
             <a:pPr marL="0" indent="0">
@@ -7941,7 +7967,7 @@
           <p:cNvPr id="4" name="Content Placeholder 2">
             <a:extLst>
               <a:ext uri="{FF2B5EF4-FFF2-40B4-BE49-F238E27FC236}">
-                <a16:creationId xmlns="" xmlns:a16="http://schemas.microsoft.com/office/drawing/2014/main" id="{8B75658C-38F4-48B3-A6A8-19EDF89E7A3B}"/>
+                <a16:creationId xmlns:a16="http://schemas.microsoft.com/office/drawing/2014/main" xmlns="" id="{8B75658C-38F4-48B3-A6A8-19EDF89E7A3B}"/>
               </a:ext>
             </a:extLst>
           </p:cNvPr>
@@ -8357,7 +8383,7 @@
           <p:cNvPr id="2" name="Title 1">
             <a:extLst>
               <a:ext uri="{FF2B5EF4-FFF2-40B4-BE49-F238E27FC236}">
-                <a16:creationId xmlns="" xmlns:a16="http://schemas.microsoft.com/office/drawing/2014/main" id="{4EFBAFAA-F656-4A86-83F6-D61317FA563B}"/>
+                <a16:creationId xmlns:a16="http://schemas.microsoft.com/office/drawing/2014/main" xmlns="" id="{4EFBAFAA-F656-4A86-83F6-D61317FA563B}"/>
               </a:ext>
             </a:extLst>
           </p:cNvPr>
@@ -8388,7 +8414,7 @@
           <p:cNvPr id="3" name="Content Placeholder 2">
             <a:extLst>
               <a:ext uri="{FF2B5EF4-FFF2-40B4-BE49-F238E27FC236}">
-                <a16:creationId xmlns="" xmlns:a16="http://schemas.microsoft.com/office/drawing/2014/main" id="{275A9FA1-A441-47C0-97C8-24BDAB607E53}"/>
+                <a16:creationId xmlns:a16="http://schemas.microsoft.com/office/drawing/2014/main" xmlns="" id="{275A9FA1-A441-47C0-97C8-24BDAB607E53}"/>
               </a:ext>
             </a:extLst>
           </p:cNvPr>
@@ -8519,7 +8545,7 @@
           <p:cNvPr id="4" name="Content Placeholder 2">
             <a:extLst>
               <a:ext uri="{FF2B5EF4-FFF2-40B4-BE49-F238E27FC236}">
-                <a16:creationId xmlns="" xmlns:a16="http://schemas.microsoft.com/office/drawing/2014/main" id="{8B75658C-38F4-48B3-A6A8-19EDF89E7A3B}"/>
+                <a16:creationId xmlns:a16="http://schemas.microsoft.com/office/drawing/2014/main" xmlns="" id="{8B75658C-38F4-48B3-A6A8-19EDF89E7A3B}"/>
               </a:ext>
             </a:extLst>
           </p:cNvPr>
@@ -9190,7 +9216,7 @@
   <a:extraClrSchemeLst/>
   <a:extLst>
     <a:ext uri="{05A4C25C-085E-4340-85A3-A5531E510DB2}">
-      <thm15:themeFamily xmlns="" xmlns:thm15="http://schemas.microsoft.com/office/thememl/2012/main" name="Retrospect" id="{5F128B03-DCCA-4EEB-AB3B-CF2899314A46}" vid="{3F1AAB62-24C6-49D2-8E01-B56FAC9A3DCD}"/>
+      <thm15:themeFamily xmlns:thm15="http://schemas.microsoft.com/office/thememl/2012/main" xmlns="" name="Retrospect" id="{5F128B03-DCCA-4EEB-AB3B-CF2899314A46}" vid="{3F1AAB62-24C6-49D2-8E01-B56FAC9A3DCD}"/>
     </a:ext>
   </a:extLst>
 </a:theme>
